--- a/pkls_n_debugging/Outputs_Examples/1 Standard data analysing - user input/השוואת כלל הארץ, מחוז דרום, לשכת אופקים.pptx
+++ b/pkls_n_debugging/Outputs_Examples/1 Standard data analysing - user input/השוואת כלל הארץ, מחוז דרום, לשכת אופקים.pptx
@@ -18,6 +18,9 @@
     <p:sldId id="266" r:id="rId17"/>
     <p:sldId id="267" r:id="rId18"/>
     <p:sldId id="268" r:id="rId19"/>
+    <p:sldId id="269" r:id="rId20"/>
+    <p:sldId id="270" r:id="rId21"/>
+    <p:sldId id="271" r:id="rId22"/>
   </p:sldIdLst>
   <p:sldSz cx="14630400" cy="8229600" type="screen4x3"/>
   <p:notesSz cx="6858000" cy="9144000"/>
@@ -3236,7 +3239,7 @@
               </a:defRPr>
             </a:pPr>
             <a:r>
-              <a:t>28/09/2021</a:t>
+              <a:t>29/09/2021</a:t>
             </a:r>
           </a:p>
         </p:txBody>
@@ -3624,6 +3627,315 @@
               </a:defRPr>
             </a:pPr>
             <a:r>
+              <a:t>ענפי מקצועות שכיחים לפי דירוג לשכת אופקים</a:t>
+            </a:r>
+          </a:p>
+        </p:txBody>
+      </p:sp>
+      <p:pic>
+        <p:nvPicPr>
+          <p:cNvPr id="4" name="Picture 3" descr="ענפי מקצועות שכיחים.png"/>
+          <p:cNvPicPr>
+            <a:picLocks noChangeAspect="1"/>
+          </p:cNvPicPr>
+          <p:nvPr/>
+        </p:nvPicPr>
+        <p:blipFill>
+          <a:blip r:embed="rId3"/>
+          <a:stretch>
+            <a:fillRect/>
+          </a:stretch>
+        </p:blipFill>
+        <p:spPr>
+          <a:xfrm>
+            <a:off x="3657600" y="1371600"/>
+            <a:ext cx="7315200" cy="5486400"/>
+          </a:xfrm>
+          <a:prstGeom prst="rect">
+            <a:avLst/>
+          </a:prstGeom>
+        </p:spPr>
+      </p:pic>
+    </p:spTree>
+  </p:cSld>
+  <p:clrMapOvr>
+    <a:masterClrMapping/>
+  </p:clrMapOvr>
+</p:sld>
+</file>
+
+<file path=ppt/slides/slide14.xml><?xml version="1.0" encoding="utf-8"?>
+<p:sld xmlns:a="http://schemas.openxmlformats.org/drawingml/2006/main" xmlns:p="http://schemas.openxmlformats.org/presentationml/2006/main" xmlns:r="http://schemas.openxmlformats.org/officeDocument/2006/relationships">
+  <p:cSld>
+    <p:spTree>
+      <p:nvGrpSpPr>
+        <p:cNvPr id="1" name=""/>
+        <p:cNvGrpSpPr/>
+        <p:nvPr/>
+      </p:nvGrpSpPr>
+      <p:grpSpPr/>
+      <p:pic>
+        <p:nvPicPr>
+          <p:cNvPr id="2" name="Picture 1" descr="bck_all_slide.png"/>
+          <p:cNvPicPr>
+            <a:picLocks noChangeAspect="1"/>
+          </p:cNvPicPr>
+          <p:nvPr/>
+        </p:nvPicPr>
+        <p:blipFill>
+          <a:blip r:embed="rId2"/>
+          <a:stretch>
+            <a:fillRect/>
+          </a:stretch>
+        </p:blipFill>
+        <p:spPr>
+          <a:xfrm>
+            <a:off x="0" y="0"/>
+            <a:ext cx="14630400" cy="8229600"/>
+          </a:xfrm>
+          <a:prstGeom prst="rect">
+            <a:avLst/>
+          </a:prstGeom>
+        </p:spPr>
+      </p:pic>
+      <p:sp>
+        <p:nvSpPr>
+          <p:cNvPr id="3" name="TextBox 2"/>
+          <p:cNvSpPr txBox="1"/>
+          <p:nvPr/>
+        </p:nvSpPr>
+        <p:spPr>
+          <a:xfrm>
+            <a:off x="6858000" y="91440"/>
+            <a:ext cx="7315200" cy="914400"/>
+          </a:xfrm>
+          <a:prstGeom prst="rect">
+            <a:avLst/>
+          </a:prstGeom>
+          <a:noFill/>
+        </p:spPr>
+        <p:txBody>
+          <a:bodyPr wrap="none">
+            <a:spAutoFit/>
+          </a:bodyPr>
+          <a:lstStyle/>
+          <a:p/>
+          <a:p>
+            <a:pPr algn="r">
+              <a:defRPr sz="3800" b="1">
+                <a:solidFill>
+                  <a:srgbClr val="FFFFFF"/>
+                </a:solidFill>
+                <a:latin typeface="Ariel"/>
+              </a:defRPr>
+            </a:pPr>
+            <a:r>
+              <a:t>התפלגות ענפי משלחי היד - מבט כללי</a:t>
+            </a:r>
+          </a:p>
+        </p:txBody>
+      </p:sp>
+      <p:pic>
+        <p:nvPicPr>
+          <p:cNvPr id="4" name="Picture 3" descr="גרף_ענפים.png"/>
+          <p:cNvPicPr>
+            <a:picLocks noChangeAspect="1"/>
+          </p:cNvPicPr>
+          <p:nvPr/>
+        </p:nvPicPr>
+        <p:blipFill>
+          <a:blip r:embed="rId3"/>
+          <a:stretch>
+            <a:fillRect/>
+          </a:stretch>
+        </p:blipFill>
+        <p:spPr>
+          <a:xfrm>
+            <a:off x="1828800" y="1188720"/>
+            <a:ext cx="11354901" cy="6858000"/>
+          </a:xfrm>
+          <a:prstGeom prst="rect">
+            <a:avLst/>
+          </a:prstGeom>
+        </p:spPr>
+      </p:pic>
+    </p:spTree>
+  </p:cSld>
+  <p:clrMapOvr>
+    <a:masterClrMapping/>
+  </p:clrMapOvr>
+</p:sld>
+</file>
+
+<file path=ppt/slides/slide15.xml><?xml version="1.0" encoding="utf-8"?>
+<p:sld xmlns:a="http://schemas.openxmlformats.org/drawingml/2006/main" xmlns:p="http://schemas.openxmlformats.org/presentationml/2006/main" xmlns:r="http://schemas.openxmlformats.org/officeDocument/2006/relationships">
+  <p:cSld>
+    <p:spTree>
+      <p:nvGrpSpPr>
+        <p:cNvPr id="1" name=""/>
+        <p:cNvGrpSpPr/>
+        <p:nvPr/>
+      </p:nvGrpSpPr>
+      <p:grpSpPr/>
+      <p:pic>
+        <p:nvPicPr>
+          <p:cNvPr id="2" name="Picture 1" descr="bck_all_slide.png"/>
+          <p:cNvPicPr>
+            <a:picLocks noChangeAspect="1"/>
+          </p:cNvPicPr>
+          <p:nvPr/>
+        </p:nvPicPr>
+        <p:blipFill>
+          <a:blip r:embed="rId2"/>
+          <a:stretch>
+            <a:fillRect/>
+          </a:stretch>
+        </p:blipFill>
+        <p:spPr>
+          <a:xfrm>
+            <a:off x="0" y="0"/>
+            <a:ext cx="14630400" cy="8229600"/>
+          </a:xfrm>
+          <a:prstGeom prst="rect">
+            <a:avLst/>
+          </a:prstGeom>
+        </p:spPr>
+      </p:pic>
+      <p:sp>
+        <p:nvSpPr>
+          <p:cNvPr id="3" name="TextBox 2"/>
+          <p:cNvSpPr txBox="1"/>
+          <p:nvPr/>
+        </p:nvSpPr>
+        <p:spPr>
+          <a:xfrm>
+            <a:off x="6858000" y="91440"/>
+            <a:ext cx="7315200" cy="914400"/>
+          </a:xfrm>
+          <a:prstGeom prst="rect">
+            <a:avLst/>
+          </a:prstGeom>
+          <a:noFill/>
+        </p:spPr>
+        <p:txBody>
+          <a:bodyPr wrap="none">
+            <a:spAutoFit/>
+          </a:bodyPr>
+          <a:lstStyle/>
+          <a:p/>
+          <a:p>
+            <a:pPr algn="r">
+              <a:defRPr sz="3800" b="1">
+                <a:solidFill>
+                  <a:srgbClr val="FFFFFF"/>
+                </a:solidFill>
+                <a:latin typeface="Ariel"/>
+              </a:defRPr>
+            </a:pPr>
+            <a:r>
+              <a:t>התפלגות ענפי משלחי היד - מבט כללי</a:t>
+            </a:r>
+          </a:p>
+        </p:txBody>
+      </p:sp>
+      <p:pic>
+        <p:nvPicPr>
+          <p:cNvPr id="4" name="Picture 3" descr="גרף_ענפים_ללא_כללי.png"/>
+          <p:cNvPicPr>
+            <a:picLocks noChangeAspect="1"/>
+          </p:cNvPicPr>
+          <p:nvPr/>
+        </p:nvPicPr>
+        <p:blipFill>
+          <a:blip r:embed="rId3"/>
+          <a:stretch>
+            <a:fillRect/>
+          </a:stretch>
+        </p:blipFill>
+        <p:spPr>
+          <a:xfrm>
+            <a:off x="1828800" y="1188720"/>
+            <a:ext cx="11354901" cy="6858000"/>
+          </a:xfrm>
+          <a:prstGeom prst="rect">
+            <a:avLst/>
+          </a:prstGeom>
+        </p:spPr>
+      </p:pic>
+    </p:spTree>
+  </p:cSld>
+  <p:clrMapOvr>
+    <a:masterClrMapping/>
+  </p:clrMapOvr>
+</p:sld>
+</file>
+
+<file path=ppt/slides/slide16.xml><?xml version="1.0" encoding="utf-8"?>
+<p:sld xmlns:a="http://schemas.openxmlformats.org/drawingml/2006/main" xmlns:p="http://schemas.openxmlformats.org/presentationml/2006/main" xmlns:r="http://schemas.openxmlformats.org/officeDocument/2006/relationships">
+  <p:cSld>
+    <p:spTree>
+      <p:nvGrpSpPr>
+        <p:cNvPr id="1" name=""/>
+        <p:cNvGrpSpPr/>
+        <p:nvPr/>
+      </p:nvGrpSpPr>
+      <p:grpSpPr/>
+      <p:pic>
+        <p:nvPicPr>
+          <p:cNvPr id="2" name="Picture 1" descr="bck_all_slide.png"/>
+          <p:cNvPicPr>
+            <a:picLocks noChangeAspect="1"/>
+          </p:cNvPicPr>
+          <p:nvPr/>
+        </p:nvPicPr>
+        <p:blipFill>
+          <a:blip r:embed="rId2"/>
+          <a:stretch>
+            <a:fillRect/>
+          </a:stretch>
+        </p:blipFill>
+        <p:spPr>
+          <a:xfrm>
+            <a:off x="0" y="0"/>
+            <a:ext cx="14630400" cy="8229600"/>
+          </a:xfrm>
+          <a:prstGeom prst="rect">
+            <a:avLst/>
+          </a:prstGeom>
+        </p:spPr>
+      </p:pic>
+      <p:sp>
+        <p:nvSpPr>
+          <p:cNvPr id="3" name="TextBox 2"/>
+          <p:cNvSpPr txBox="1"/>
+          <p:nvPr/>
+        </p:nvSpPr>
+        <p:spPr>
+          <a:xfrm>
+            <a:off x="6858000" y="91440"/>
+            <a:ext cx="7315200" cy="914400"/>
+          </a:xfrm>
+          <a:prstGeom prst="rect">
+            <a:avLst/>
+          </a:prstGeom>
+          <a:noFill/>
+        </p:spPr>
+        <p:txBody>
+          <a:bodyPr wrap="none">
+            <a:spAutoFit/>
+          </a:bodyPr>
+          <a:lstStyle/>
+          <a:p/>
+          <a:p>
+            <a:pPr algn="r">
+              <a:defRPr sz="3800" b="1">
+                <a:solidFill>
+                  <a:srgbClr val="FFFFFF"/>
+                </a:solidFill>
+                <a:latin typeface="Ariel"/>
+              </a:defRPr>
+            </a:pPr>
+            <a:r>
               <a:t>שורות תחתונות</a:t>
             </a:r>
           </a:p>
@@ -3772,17 +4084,17 @@
               <a:defRPr sz="3500" b="1"/>
             </a:pPr>
             <a:r>
-              <a:t>501,716סך הכל דורשי עבודה בכלל הארץ  </a:t>
+              <a:t>464,246סך הכל דורשי עבודה בכלל הארץ  </a:t>
             </a:r>
             <a:br/>
             <a:br/>
             <a:r>
-              <a:t>85,555סך הכל דורשי עבודה במחוז דרום  </a:t>
+              <a:t>80,468סך הכל דורשי עבודה במחוז דרום  </a:t>
             </a:r>
             <a:br/>
             <a:br/>
             <a:r>
-              <a:t>2,791סך הכל דורשי עבודה בלשכת אופקים  </a:t>
+              <a:t>2,790סך הכל דורשי עבודה בלשכת אופקים  </a:t>
             </a:r>
             <a:br/>
             <a:br/>
@@ -3885,7 +4197,7 @@
         <p:spPr>
           <a:xfrm>
             <a:off x="0" y="1371600"/>
-            <a:ext cx="4876800" cy="4428662"/>
+            <a:ext cx="4876800" cy="4069383"/>
           </a:xfrm>
           <a:prstGeom prst="rect">
             <a:avLst/>
@@ -3909,7 +4221,7 @@
         <p:spPr>
           <a:xfrm>
             <a:off x="4876800" y="1371600"/>
-            <a:ext cx="4876800" cy="4404852"/>
+            <a:ext cx="4876800" cy="4069383"/>
           </a:xfrm>
           <a:prstGeom prst="rect">
             <a:avLst/>
@@ -3933,7 +4245,7 @@
         <p:spPr>
           <a:xfrm>
             <a:off x="9753600" y="1371600"/>
-            <a:ext cx="4876800" cy="4420696"/>
+            <a:ext cx="4876800" cy="4069383"/>
           </a:xfrm>
           <a:prstGeom prst="rect">
             <a:avLst/>
@@ -4589,7 +4901,7 @@
         <p:spPr>
           <a:xfrm>
             <a:off x="0" y="1371600"/>
-            <a:ext cx="4876800" cy="4241127"/>
+            <a:ext cx="4876800" cy="4275962"/>
           </a:xfrm>
           <a:prstGeom prst="rect">
             <a:avLst/>
@@ -4637,7 +4949,7 @@
         <p:spPr>
           <a:xfrm>
             <a:off x="9753600" y="1371600"/>
-            <a:ext cx="4876800" cy="4249783"/>
+            <a:ext cx="4876800" cy="4275962"/>
           </a:xfrm>
           <a:prstGeom prst="rect">
             <a:avLst/>
